--- a/Presentation.pptx
+++ b/Presentation.pptx
@@ -17,7 +17,8 @@
     <p:sldId id="269" r:id="rId11"/>
     <p:sldId id="271" r:id="rId12"/>
     <p:sldId id="272" r:id="rId13"/>
-    <p:sldId id="274" r:id="rId14"/>
+    <p:sldId id="277" r:id="rId14"/>
+    <p:sldId id="274" r:id="rId15"/>
   </p:sldIdLst>
   <p:sldSz cx="12192000" cy="6858000"/>
   <p:notesSz cx="6858000" cy="9144000"/>
@@ -3368,8 +3369,8 @@
         </p:nvSpPr>
         <p:spPr>
           <a:xfrm>
-            <a:off x="1252367" y="2228671"/>
-            <a:ext cx="9687267" cy="2308324"/>
+            <a:off x="1407858" y="2228671"/>
+            <a:ext cx="9376285" cy="2800767"/>
           </a:xfrm>
           <a:prstGeom prst="rect">
             <a:avLst/>
@@ -3391,8 +3392,15 @@
           <a:p>
             <a:pPr algn="ctr"/>
             <a:r>
+              <a:rPr lang="en-US" altLang="zh-CN" sz="3200" dirty="0"/>
+              <a:t>Prove the equivalence of CFG and PDA</a:t>
+            </a:r>
+          </a:p>
+          <a:p>
+            <a:pPr algn="ctr"/>
+            <a:r>
               <a:rPr lang="en-US" altLang="zh-CN" sz="2400" dirty="0"/>
-              <a:t>Prove the equivalence of CFG and PDA – Part I: convert any CFG to PDA</a:t>
+              <a:t>Part I: convert any CFG to PDA using computer program</a:t>
             </a:r>
           </a:p>
           <a:p>
@@ -8986,6 +8994,152 @@
 </file>
 
 <file path=ppt/slides/slide13.xml><?xml version="1.0" encoding="utf-8"?>
+<p:sld xmlns:a="http://schemas.openxmlformats.org/drawingml/2006/main" xmlns:r="http://schemas.openxmlformats.org/officeDocument/2006/relationships" xmlns:p="http://schemas.openxmlformats.org/presentationml/2006/main">
+  <p:cSld>
+    <p:spTree>
+      <p:nvGrpSpPr>
+        <p:cNvPr id="1" name=""/>
+        <p:cNvGrpSpPr/>
+        <p:nvPr/>
+      </p:nvGrpSpPr>
+      <p:grpSpPr>
+        <a:xfrm>
+          <a:off x="0" y="0"/>
+          <a:ext cx="0" cy="0"/>
+          <a:chOff x="0" y="0"/>
+          <a:chExt cx="0" cy="0"/>
+        </a:xfrm>
+      </p:grpSpPr>
+      <p:sp>
+        <p:nvSpPr>
+          <p:cNvPr id="4" name="TextBox 3">
+            <a:extLst>
+              <a:ext uri="{FF2B5EF4-FFF2-40B4-BE49-F238E27FC236}">
+                <a16:creationId xmlns:a16="http://schemas.microsoft.com/office/drawing/2014/main" id="{D6186B01-E321-6355-33DC-79BEEA3BF935}"/>
+              </a:ext>
+            </a:extLst>
+          </p:cNvPr>
+          <p:cNvSpPr txBox="1"/>
+          <p:nvPr/>
+        </p:nvSpPr>
+        <p:spPr>
+          <a:xfrm>
+            <a:off x="630251" y="494504"/>
+            <a:ext cx="11188583" cy="2677656"/>
+          </a:xfrm>
+          <a:prstGeom prst="rect">
+            <a:avLst/>
+          </a:prstGeom>
+          <a:noFill/>
+        </p:spPr>
+        <p:txBody>
+          <a:bodyPr wrap="square">
+            <a:spAutoFit/>
+          </a:bodyPr>
+          <a:lstStyle/>
+          <a:p>
+            <a:r>
+              <a:rPr lang="en-US" altLang="zh-CN" sz="2400" dirty="0"/>
+              <a:t>Reference:</a:t>
+            </a:r>
+          </a:p>
+          <a:p>
+            <a:endParaRPr lang="en-US" altLang="zh-CN" sz="2400" dirty="0"/>
+          </a:p>
+          <a:p>
+            <a:r>
+              <a:rPr lang="en-US" altLang="zh-CN" dirty="0"/>
+              <a:t>Chinese University of Hong Kong - </a:t>
+            </a:r>
+            <a:r>
+              <a:rPr lang="en-US" altLang="zh-CN" dirty="0">
+                <a:hlinkClick r:id="rId2"/>
+              </a:rPr>
+              <a:t>https://www.cse.cuhk.edu.hk/~siuon/csci3130-f18/slides/lec11.pdf</a:t>
+            </a:r>
+            <a:endParaRPr lang="en-US" altLang="zh-CN" dirty="0"/>
+          </a:p>
+          <a:p>
+            <a:r>
+              <a:rPr lang="en-US" altLang="zh-CN" dirty="0"/>
+              <a:t>University of</a:t>
+            </a:r>
+            <a:r>
+              <a:rPr lang="zh-CN" altLang="en-US" dirty="0"/>
+              <a:t> </a:t>
+            </a:r>
+            <a:r>
+              <a:rPr lang="en-US" altLang="zh-CN" dirty="0"/>
+              <a:t>Notre</a:t>
+            </a:r>
+            <a:r>
+              <a:rPr lang="zh-CN" altLang="en-US" dirty="0"/>
+              <a:t> </a:t>
+            </a:r>
+            <a:r>
+              <a:rPr lang="en-US" altLang="zh-CN" dirty="0"/>
+              <a:t>Dame</a:t>
+            </a:r>
+            <a:r>
+              <a:rPr lang="zh-CN" altLang="en-US" dirty="0"/>
+              <a:t> </a:t>
+            </a:r>
+            <a:r>
+              <a:rPr lang="en-US" altLang="zh-CN" dirty="0"/>
+              <a:t>- </a:t>
+            </a:r>
+            <a:r>
+              <a:rPr lang="en-US" altLang="zh-CN" dirty="0">
+                <a:hlinkClick r:id="rId3"/>
+              </a:rPr>
+              <a:t>https://www3.nd.edu/~dchiang/teaching/theory/2016/notes/week06/week06b.pdf</a:t>
+            </a:r>
+            <a:r>
+              <a:rPr lang="en-US" altLang="zh-CN" dirty="0"/>
+              <a:t> </a:t>
+            </a:r>
+          </a:p>
+          <a:p>
+            <a:endParaRPr lang="en-US" altLang="zh-CN" sz="2000" dirty="0"/>
+          </a:p>
+          <a:p>
+            <a:endParaRPr lang="en-US" altLang="zh-CN" sz="2000" dirty="0"/>
+          </a:p>
+          <a:p>
+            <a:r>
+              <a:rPr lang="en-US" altLang="zh-CN" sz="2400" dirty="0"/>
+              <a:t>GitHub Repository:</a:t>
+            </a:r>
+          </a:p>
+          <a:p>
+            <a:r>
+              <a:rPr lang="en-US" altLang="zh-CN" sz="2000" dirty="0">
+                <a:hlinkClick r:id="rId4"/>
+              </a:rPr>
+              <a:t>https://github.com/guoyizhou01/CS5252FinalProject</a:t>
+            </a:r>
+            <a:r>
+              <a:rPr lang="en-US" altLang="zh-CN" sz="2000" dirty="0"/>
+              <a:t> </a:t>
+            </a:r>
+            <a:endParaRPr lang="zh-CN" altLang="en-US" sz="2000" dirty="0"/>
+          </a:p>
+        </p:txBody>
+      </p:sp>
+    </p:spTree>
+    <p:extLst>
+      <p:ext uri="{BB962C8B-B14F-4D97-AF65-F5344CB8AC3E}">
+        <p14:creationId xmlns:p14="http://schemas.microsoft.com/office/powerpoint/2010/main" val="2768005242"/>
+      </p:ext>
+    </p:extLst>
+  </p:cSld>
+  <p:clrMapOvr>
+    <a:masterClrMapping/>
+  </p:clrMapOvr>
+</p:sld>
+</file>
+
+<file path=ppt/slides/slide14.xml><?xml version="1.0" encoding="utf-8"?>
 <p:sld xmlns:a="http://schemas.openxmlformats.org/drawingml/2006/main" xmlns:r="http://schemas.openxmlformats.org/officeDocument/2006/relationships" xmlns:p="http://schemas.openxmlformats.org/presentationml/2006/main">
   <p:cSld>
     <p:spTree>
